--- a/lec_1/lec_1.pptx
+++ b/lec_1/lec_1.pptx
@@ -5,7 +5,7 @@
     <p:sldMasterId id="2147483900" r:id="rId1"/>
   </p:sldMasterIdLst>
   <p:notesMasterIdLst>
-    <p:notesMasterId r:id="rId36"/>
+    <p:notesMasterId r:id="rId37"/>
   </p:notesMasterIdLst>
   <p:sldIdLst>
     <p:sldId id="256" r:id="rId2"/>
@@ -41,7 +41,8 @@
     <p:sldId id="366" r:id="rId32"/>
     <p:sldId id="374" r:id="rId33"/>
     <p:sldId id="362" r:id="rId34"/>
-    <p:sldId id="300" r:id="rId35"/>
+    <p:sldId id="377" r:id="rId35"/>
+    <p:sldId id="300" r:id="rId36"/>
   </p:sldIdLst>
   <p:sldSz cx="9144000" cy="6858000" type="screen4x3"/>
   <p:notesSz cx="6858000" cy="9144000"/>
@@ -225,7 +226,7 @@
           <a:p>
             <a:fld id="{07CCACB0-F8FE-4858-B318-FD65BA258CC9}" type="datetimeFigureOut">
               <a:rPr lang="ru-RU" smtClean="0"/>
-              <a:t>22.11.2017</a:t>
+              <a:t>30.11.2017</a:t>
             </a:fld>
             <a:endParaRPr lang="ru-RU"/>
           </a:p>
@@ -629,7 +630,15 @@
           <a:bodyPr/>
           <a:lstStyle/>
           <a:p>
-            <a:endParaRPr lang="ru-RU" dirty="0"/>
+            <a:r>
+              <a:rPr lang="ru-RU" dirty="0" smtClean="0"/>
+              <a:t>Переделать </a:t>
+            </a:r>
+            <a:r>
+              <a:rPr lang="ru-RU" smtClean="0"/>
+              <a:t>на редукцию</a:t>
+            </a:r>
+            <a:endParaRPr lang="ru-RU"/>
           </a:p>
         </p:txBody>
       </p:sp>
@@ -651,6 +660,90 @@
             <a:fld id="{A4386834-D4DC-4436-81F0-088D0656D606}" type="slidenum">
               <a:rPr lang="ru-RU" smtClean="0"/>
               <a:t>34</a:t>
+            </a:fld>
+            <a:endParaRPr lang="ru-RU"/>
+          </a:p>
+        </p:txBody>
+      </p:sp>
+    </p:spTree>
+    <p:extLst>
+      <p:ext uri="{BB962C8B-B14F-4D97-AF65-F5344CB8AC3E}">
+        <p14:creationId xmlns:p14="http://schemas.microsoft.com/office/powerpoint/2010/main" val="3455072216"/>
+      </p:ext>
+    </p:extLst>
+  </p:cSld>
+  <p:clrMapOvr>
+    <a:masterClrMapping/>
+  </p:clrMapOvr>
+</p:notes>
+</file>
+
+<file path=ppt/notesSlides/notesSlide3.xml><?xml version="1.0" encoding="utf-8"?>
+<p:notes xmlns:a="http://schemas.openxmlformats.org/drawingml/2006/main" xmlns:r="http://schemas.openxmlformats.org/officeDocument/2006/relationships" xmlns:p="http://schemas.openxmlformats.org/presentationml/2006/main">
+  <p:cSld>
+    <p:spTree>
+      <p:nvGrpSpPr>
+        <p:cNvPr id="1" name=""/>
+        <p:cNvGrpSpPr/>
+        <p:nvPr/>
+      </p:nvGrpSpPr>
+      <p:grpSpPr>
+        <a:xfrm>
+          <a:off x="0" y="0"/>
+          <a:ext cx="0" cy="0"/>
+          <a:chOff x="0" y="0"/>
+          <a:chExt cx="0" cy="0"/>
+        </a:xfrm>
+      </p:grpSpPr>
+      <p:sp>
+        <p:nvSpPr>
+          <p:cNvPr id="2" name="Образ слайда 1"/>
+          <p:cNvSpPr>
+            <a:spLocks noGrp="1" noRot="1" noChangeAspect="1"/>
+          </p:cNvSpPr>
+          <p:nvPr>
+            <p:ph type="sldImg"/>
+          </p:nvPr>
+        </p:nvSpPr>
+        <p:spPr/>
+      </p:sp>
+      <p:sp>
+        <p:nvSpPr>
+          <p:cNvPr id="3" name="Заметки 2"/>
+          <p:cNvSpPr>
+            <a:spLocks noGrp="1"/>
+          </p:cNvSpPr>
+          <p:nvPr>
+            <p:ph type="body" idx="1"/>
+          </p:nvPr>
+        </p:nvSpPr>
+        <p:spPr/>
+        <p:txBody>
+          <a:bodyPr/>
+          <a:lstStyle/>
+          <a:p>
+            <a:endParaRPr lang="ru-RU" dirty="0"/>
+          </a:p>
+        </p:txBody>
+      </p:sp>
+      <p:sp>
+        <p:nvSpPr>
+          <p:cNvPr id="4" name="Номер слайда 3"/>
+          <p:cNvSpPr>
+            <a:spLocks noGrp="1"/>
+          </p:cNvSpPr>
+          <p:nvPr>
+            <p:ph type="sldNum" sz="quarter" idx="10"/>
+          </p:nvPr>
+        </p:nvSpPr>
+        <p:spPr/>
+        <p:txBody>
+          <a:bodyPr/>
+          <a:lstStyle/>
+          <a:p>
+            <a:fld id="{A4386834-D4DC-4436-81F0-088D0656D606}" type="slidenum">
+              <a:rPr lang="ru-RU" smtClean="0"/>
+              <a:t>35</a:t>
             </a:fld>
             <a:endParaRPr lang="ru-RU"/>
           </a:p>
@@ -1294,7 +1387,7 @@
           <a:p>
             <a:fld id="{B4C71EC6-210F-42DE-9C53-41977AD35B3D}" type="datetimeFigureOut">
               <a:rPr lang="ru-RU" smtClean="0"/>
-              <a:t>22.11.2017</a:t>
+              <a:t>30.11.2017</a:t>
             </a:fld>
             <a:endParaRPr lang="ru-RU"/>
           </a:p>
@@ -1490,7 +1583,7 @@
           <a:p>
             <a:fld id="{B4C71EC6-210F-42DE-9C53-41977AD35B3D}" type="datetimeFigureOut">
               <a:rPr lang="ru-RU" smtClean="0"/>
-              <a:t>22.11.2017</a:t>
+              <a:t>30.11.2017</a:t>
             </a:fld>
             <a:endParaRPr lang="ru-RU"/>
           </a:p>
@@ -1675,7 +1768,7 @@
           <a:p>
             <a:fld id="{B4C71EC6-210F-42DE-9C53-41977AD35B3D}" type="datetimeFigureOut">
               <a:rPr lang="ru-RU" smtClean="0"/>
-              <a:t>22.11.2017</a:t>
+              <a:t>30.11.2017</a:t>
             </a:fld>
             <a:endParaRPr lang="ru-RU"/>
           </a:p>
@@ -1825,7 +1918,7 @@
           <a:p>
             <a:fld id="{B4C71EC6-210F-42DE-9C53-41977AD35B3D}" type="datetimeFigureOut">
               <a:rPr lang="ru-RU" smtClean="0"/>
-              <a:t>22.11.2017</a:t>
+              <a:t>30.11.2017</a:t>
             </a:fld>
             <a:endParaRPr lang="ru-RU"/>
           </a:p>
@@ -2075,7 +2168,7 @@
           <a:p>
             <a:fld id="{B4C71EC6-210F-42DE-9C53-41977AD35B3D}" type="datetimeFigureOut">
               <a:rPr lang="ru-RU" smtClean="0"/>
-              <a:t>22.11.2017</a:t>
+              <a:t>30.11.2017</a:t>
             </a:fld>
             <a:endParaRPr lang="ru-RU"/>
           </a:p>
@@ -2479,7 +2572,7 @@
           <a:p>
             <a:fld id="{B4C71EC6-210F-42DE-9C53-41977AD35B3D}" type="datetimeFigureOut">
               <a:rPr lang="ru-RU" smtClean="0"/>
-              <a:t>22.11.2017</a:t>
+              <a:t>30.11.2017</a:t>
             </a:fld>
             <a:endParaRPr lang="ru-RU"/>
           </a:p>
@@ -2920,7 +3013,7 @@
           <a:p>
             <a:fld id="{B4C71EC6-210F-42DE-9C53-41977AD35B3D}" type="datetimeFigureOut">
               <a:rPr lang="ru-RU" smtClean="0"/>
-              <a:t>22.11.2017</a:t>
+              <a:t>30.11.2017</a:t>
             </a:fld>
             <a:endParaRPr lang="ru-RU"/>
           </a:p>
@@ -3016,7 +3109,7 @@
           <a:p>
             <a:fld id="{B4C71EC6-210F-42DE-9C53-41977AD35B3D}" type="datetimeFigureOut">
               <a:rPr lang="ru-RU" smtClean="0"/>
-              <a:t>22.11.2017</a:t>
+              <a:t>30.11.2017</a:t>
             </a:fld>
             <a:endParaRPr lang="ru-RU"/>
           </a:p>
@@ -3137,7 +3230,7 @@
           <a:p>
             <a:fld id="{B4C71EC6-210F-42DE-9C53-41977AD35B3D}" type="datetimeFigureOut">
               <a:rPr lang="ru-RU" smtClean="0"/>
-              <a:t>22.11.2017</a:t>
+              <a:t>30.11.2017</a:t>
             </a:fld>
             <a:endParaRPr lang="ru-RU"/>
           </a:p>
@@ -3406,7 +3499,7 @@
           <a:p>
             <a:fld id="{B4C71EC6-210F-42DE-9C53-41977AD35B3D}" type="datetimeFigureOut">
               <a:rPr lang="ru-RU" smtClean="0"/>
-              <a:t>22.11.2017</a:t>
+              <a:t>30.11.2017</a:t>
             </a:fld>
             <a:endParaRPr lang="ru-RU"/>
           </a:p>
@@ -3606,7 +3699,7 @@
           <a:p>
             <a:fld id="{B4C71EC6-210F-42DE-9C53-41977AD35B3D}" type="datetimeFigureOut">
               <a:rPr lang="ru-RU" smtClean="0"/>
-              <a:t>22.11.2017</a:t>
+              <a:t>30.11.2017</a:t>
             </a:fld>
             <a:endParaRPr lang="ru-RU"/>
           </a:p>
@@ -4724,7 +4817,7 @@
           <a:p>
             <a:fld id="{B4C71EC6-210F-42DE-9C53-41977AD35B3D}" type="datetimeFigureOut">
               <a:rPr lang="ru-RU" smtClean="0"/>
-              <a:t>22.11.2017</a:t>
+              <a:t>30.11.2017</a:t>
             </a:fld>
             <a:endParaRPr lang="ru-RU"/>
           </a:p>
@@ -5310,21 +5403,7 @@
                 <a:latin typeface="PT Sans" pitchFamily="34" charset="-52"/>
                 <a:ea typeface="PT Sans" pitchFamily="34" charset="-52"/>
               </a:rPr>
-              <a:t>Явное преобразование </a:t>
-            </a:r>
-            <a:r>
-              <a:rPr lang="ru-RU" sz="2800" dirty="0" smtClean="0">
-                <a:latin typeface="PT Sans" pitchFamily="34" charset="-52"/>
-                <a:ea typeface="PT Sans" pitchFamily="34" charset="-52"/>
-              </a:rPr>
-              <a:t>общего вида</a:t>
-            </a:r>
-            <a:r>
-              <a:rPr lang="ru-RU" sz="2800" dirty="0" smtClean="0">
-                <a:latin typeface="PT Sans" pitchFamily="34" charset="-52"/>
-                <a:ea typeface="PT Sans" pitchFamily="34" charset="-52"/>
-              </a:rPr>
-              <a:t> </a:t>
+              <a:t>Явное преобразование общего вида </a:t>
             </a:r>
             <a:endParaRPr lang="en-US" sz="2800" dirty="0" smtClean="0">
               <a:latin typeface="PT Sans" pitchFamily="34" charset="-52"/>
@@ -5352,14 +5431,7 @@
                 <a:latin typeface="PT Sans" pitchFamily="34" charset="-52"/>
                 <a:ea typeface="PT Sans" pitchFamily="34" charset="-52"/>
               </a:rPr>
-              <a:t>&gt;&lt;_sat&gt;&lt;rounding</a:t>
-            </a:r>
-            <a:r>
-              <a:rPr lang="en-US" sz="2400" i="1" dirty="0" smtClean="0">
-                <a:latin typeface="PT Sans" pitchFamily="34" charset="-52"/>
-                <a:ea typeface="PT Sans" pitchFamily="34" charset="-52"/>
-              </a:rPr>
-              <a:t>&gt;(</a:t>
+              <a:t>&gt;&lt;_sat&gt;&lt;rounding&gt;(</a:t>
             </a:r>
             <a:r>
               <a:rPr lang="en-US" sz="2400" i="1" dirty="0" err="1" smtClean="0">
@@ -6742,14 +6814,7 @@
                 <a:latin typeface="PT Sans" pitchFamily="34" charset="-52"/>
                 <a:ea typeface="PT Sans" pitchFamily="34" charset="-52"/>
               </a:rPr>
-              <a:t>Встроенные </a:t>
-            </a:r>
-            <a:r>
-              <a:rPr lang="ru-RU" sz="4000" dirty="0" smtClean="0">
-                <a:latin typeface="PT Sans" pitchFamily="34" charset="-52"/>
-                <a:ea typeface="PT Sans" pitchFamily="34" charset="-52"/>
-              </a:rPr>
-              <a:t>функции</a:t>
+              <a:t>Встроенные функции</a:t>
             </a:r>
             <a:endParaRPr lang="ru-RU" sz="4000" dirty="0">
               <a:latin typeface="PT Sans" pitchFamily="34" charset="-52"/>
@@ -7382,14 +7447,7 @@
                 <a:latin typeface="PT Sans" pitchFamily="34" charset="-52"/>
                 <a:ea typeface="PT Sans" pitchFamily="34" charset="-52"/>
               </a:rPr>
-              <a:t>Встроенные </a:t>
-            </a:r>
-            <a:r>
-              <a:rPr lang="ru-RU" sz="4000" dirty="0" smtClean="0">
-                <a:latin typeface="PT Sans" pitchFamily="34" charset="-52"/>
-                <a:ea typeface="PT Sans" pitchFamily="34" charset="-52"/>
-              </a:rPr>
-              <a:t>функции</a:t>
+              <a:t>Встроенные функции</a:t>
             </a:r>
             <a:endParaRPr lang="ru-RU" sz="4000" dirty="0">
               <a:latin typeface="PT Sans" pitchFamily="34" charset="-52"/>
@@ -8383,14 +8441,7 @@
                 <a:latin typeface="PT Sans" pitchFamily="34" charset="-52"/>
                 <a:ea typeface="PT Sans" pitchFamily="34" charset="-52"/>
               </a:rPr>
-              <a:t>Код легче </a:t>
-            </a:r>
-            <a:r>
-              <a:rPr lang="ru-RU" sz="2800" dirty="0" smtClean="0">
-                <a:latin typeface="PT Sans" pitchFamily="34" charset="-52"/>
-                <a:ea typeface="PT Sans" pitchFamily="34" charset="-52"/>
-              </a:rPr>
-              <a:t>читается</a:t>
+              <a:t>Код легче читается</a:t>
             </a:r>
             <a:endParaRPr lang="en-US" sz="2800" dirty="0" smtClean="0">
               <a:latin typeface="PT Sans" pitchFamily="34" charset="-52"/>
@@ -8403,21 +8454,7 @@
                 <a:latin typeface="PT Sans" pitchFamily="34" charset="-52"/>
                 <a:ea typeface="PT Sans" pitchFamily="34" charset="-52"/>
               </a:rPr>
-              <a:t>Код </a:t>
-            </a:r>
-            <a:r>
-              <a:rPr lang="ru-RU" sz="2800" dirty="0" smtClean="0">
-                <a:latin typeface="PT Sans" pitchFamily="34" charset="-52"/>
-                <a:ea typeface="PT Sans" pitchFamily="34" charset="-52"/>
-              </a:rPr>
-              <a:t>медленнее чем «чистый С</a:t>
-            </a:r>
-            <a:r>
-              <a:rPr lang="ru-RU" sz="2800" dirty="0" smtClean="0">
-                <a:latin typeface="PT Sans" pitchFamily="34" charset="-52"/>
-                <a:ea typeface="PT Sans" pitchFamily="34" charset="-52"/>
-              </a:rPr>
-              <a:t>»*</a:t>
+              <a:t>Код медленнее чем «чистый С»*</a:t>
             </a:r>
             <a:endParaRPr lang="en-US" sz="2800" dirty="0" smtClean="0">
               <a:latin typeface="PT Sans" pitchFamily="34" charset="-52"/>
@@ -14706,14 +14743,7 @@
                 <a:latin typeface="PT Sans" pitchFamily="34" charset="-52"/>
                 <a:ea typeface="PT Sans" pitchFamily="34" charset="-52"/>
               </a:rPr>
-              <a:t>Пример: произведение квадратных </a:t>
-            </a:r>
-            <a:r>
-              <a:rPr lang="ru-RU" sz="2800" dirty="0" smtClean="0">
-                <a:latin typeface="PT Sans" pitchFamily="34" charset="-52"/>
-                <a:ea typeface="PT Sans" pitchFamily="34" charset="-52"/>
-              </a:rPr>
-              <a:t>матриц</a:t>
+              <a:t>Пример: произведение квадратных матриц</a:t>
             </a:r>
             <a:endParaRPr lang="en-US" sz="2800" dirty="0" smtClean="0">
               <a:latin typeface="PT Sans" pitchFamily="34" charset="-52"/>
@@ -14957,6 +14987,151 @@
 <file path=ppt/slides/slide34.xml><?xml version="1.0" encoding="utf-8"?>
 <p:sld xmlns:a="http://schemas.openxmlformats.org/drawingml/2006/main" xmlns:r="http://schemas.openxmlformats.org/officeDocument/2006/relationships" xmlns:p="http://schemas.openxmlformats.org/presentationml/2006/main">
   <p:cSld>
+    <p:spTree>
+      <p:nvGrpSpPr>
+        <p:cNvPr id="1" name=""/>
+        <p:cNvGrpSpPr/>
+        <p:nvPr/>
+      </p:nvGrpSpPr>
+      <p:grpSpPr>
+        <a:xfrm>
+          <a:off x="0" y="0"/>
+          <a:ext cx="0" cy="0"/>
+          <a:chOff x="0" y="0"/>
+          <a:chExt cx="0" cy="0"/>
+        </a:xfrm>
+      </p:grpSpPr>
+      <p:sp>
+        <p:nvSpPr>
+          <p:cNvPr id="10" name="Заголовок 9"/>
+          <p:cNvSpPr>
+            <a:spLocks noGrp="1"/>
+          </p:cNvSpPr>
+          <p:nvPr>
+            <p:ph type="title"/>
+          </p:nvPr>
+        </p:nvSpPr>
+        <p:spPr/>
+        <p:txBody>
+          <a:bodyPr vert="horz" rtlCol="0" anchor="ctr">
+            <a:normAutofit/>
+            <a:scene3d>
+              <a:camera prst="orthographicFront"/>
+              <a:lightRig rig="soft" dir="t"/>
+            </a:scene3d>
+            <a:sp3d prstMaterial="softEdge">
+              <a:bevelT w="25400" h="25400"/>
+            </a:sp3d>
+          </a:bodyPr>
+          <a:lstStyle/>
+          <a:p>
+            <a:r>
+              <a:rPr lang="ru-RU" sz="4000" dirty="0" smtClean="0">
+                <a:latin typeface="PT Sans" pitchFamily="34" charset="-52"/>
+                <a:ea typeface="PT Sans" pitchFamily="34" charset="-52"/>
+              </a:rPr>
+              <a:t>Произведение матриц</a:t>
+            </a:r>
+            <a:endParaRPr lang="ru-RU" sz="4000" dirty="0">
+              <a:latin typeface="PT Sans" pitchFamily="34" charset="-52"/>
+              <a:ea typeface="PT Sans" pitchFamily="34" charset="-52"/>
+            </a:endParaRPr>
+          </a:p>
+        </p:txBody>
+      </p:sp>
+      <p:sp>
+        <p:nvSpPr>
+          <p:cNvPr id="13" name="Объект 2"/>
+          <p:cNvSpPr>
+            <a:spLocks noGrp="1"/>
+          </p:cNvSpPr>
+          <p:nvPr>
+            <p:ph idx="1"/>
+          </p:nvPr>
+        </p:nvSpPr>
+        <p:spPr/>
+        <p:txBody>
+          <a:bodyPr vert="horz">
+            <a:normAutofit/>
+          </a:bodyPr>
+          <a:lstStyle/>
+          <a:p>
+            <a:r>
+              <a:rPr lang="ru-RU" sz="2800" dirty="0" smtClean="0">
+                <a:latin typeface="PT Sans" pitchFamily="34" charset="-52"/>
+                <a:ea typeface="PT Sans" pitchFamily="34" charset="-52"/>
+              </a:rPr>
+              <a:t>Пример: оптимизация перемножения матриц</a:t>
+            </a:r>
+          </a:p>
+          <a:p>
+            <a:r>
+              <a:rPr lang="ru-RU" sz="2800" dirty="0" smtClean="0">
+                <a:latin typeface="PT Sans" pitchFamily="34" charset="-52"/>
+                <a:ea typeface="PT Sans" pitchFamily="34" charset="-52"/>
+              </a:rPr>
+              <a:t>Двумерная </a:t>
+            </a:r>
+            <a:r>
+              <a:rPr lang="ru-RU" sz="2800" dirty="0" smtClean="0">
+                <a:latin typeface="PT Sans" pitchFamily="34" charset="-52"/>
+                <a:ea typeface="PT Sans" pitchFamily="34" charset="-52"/>
+              </a:rPr>
+              <a:t>область вычислений</a:t>
+            </a:r>
+          </a:p>
+          <a:p>
+            <a:r>
+              <a:rPr lang="ru-RU" sz="2800" dirty="0" smtClean="0">
+                <a:latin typeface="PT Sans" pitchFamily="34" charset="-52"/>
+                <a:ea typeface="PT Sans" pitchFamily="34" charset="-52"/>
+              </a:rPr>
+              <a:t>Блочное произведение матриц по аналогии с </a:t>
+            </a:r>
+            <a:r>
+              <a:rPr lang="en-US" sz="2800" dirty="0" smtClean="0">
+                <a:latin typeface="PT Sans" pitchFamily="34" charset="-52"/>
+                <a:ea typeface="PT Sans" pitchFamily="34" charset="-52"/>
+              </a:rPr>
+              <a:t>CUDA</a:t>
+            </a:r>
+            <a:r>
+              <a:rPr lang="ru-RU" sz="2800" dirty="0" smtClean="0">
+                <a:latin typeface="PT Sans" pitchFamily="34" charset="-52"/>
+                <a:ea typeface="PT Sans" pitchFamily="34" charset="-52"/>
+              </a:rPr>
+              <a:t>-версией</a:t>
+            </a:r>
+            <a:endParaRPr lang="ru-RU" sz="2800" dirty="0" smtClean="0">
+              <a:latin typeface="PT Sans" pitchFamily="34" charset="-52"/>
+              <a:ea typeface="PT Sans" pitchFamily="34" charset="-52"/>
+            </a:endParaRPr>
+          </a:p>
+        </p:txBody>
+      </p:sp>
+    </p:spTree>
+    <p:extLst>
+      <p:ext uri="{BB962C8B-B14F-4D97-AF65-F5344CB8AC3E}">
+        <p14:creationId xmlns:p14="http://schemas.microsoft.com/office/powerpoint/2010/main" val="1136810602"/>
+      </p:ext>
+    </p:extLst>
+  </p:cSld>
+  <p:clrMapOvr>
+    <a:masterClrMapping/>
+  </p:clrMapOvr>
+  <p:timing>
+    <p:tnLst>
+      <p:par>
+        <p:cTn id="1" dur="indefinite" restart="never" nodeType="tmRoot"/>
+      </p:par>
+    </p:tnLst>
+  </p:timing>
+</p:sld>
+</file>
+
+<file path=ppt/slides/slide35.xml><?xml version="1.0" encoding="utf-8"?>
+<p:sld xmlns:a="http://schemas.openxmlformats.org/drawingml/2006/main" xmlns:r="http://schemas.openxmlformats.org/officeDocument/2006/relationships" xmlns:p="http://schemas.openxmlformats.org/presentationml/2006/main">
+  <p:cSld>
     <p:bg>
       <p:bgPr>
         <a:blipFill dpi="0" rotWithShape="1">
@@ -15007,6 +15182,7 @@
           </a:bodyPr>
           <a:lstStyle/>
           <a:p>
+            <a:pPr algn="ctr"/>
             <a:r>
               <a:rPr lang="ru-RU" sz="4400" dirty="0">
                 <a:latin typeface="PT Sans" pitchFamily="34" charset="-52"/>
@@ -15014,10 +15190,6 @@
               </a:rPr>
               <a:t>Задание на практику</a:t>
             </a:r>
-            <a:endParaRPr lang="ru-RU" sz="4400" dirty="0">
-              <a:latin typeface="PT Sans" pitchFamily="34" charset="-52"/>
-              <a:ea typeface="PT Sans" pitchFamily="34" charset="-52"/>
-            </a:endParaRPr>
           </a:p>
         </p:txBody>
       </p:sp>
@@ -15033,8 +15205,8 @@
         </p:nvSpPr>
         <p:spPr>
           <a:xfrm>
-            <a:off x="1403648" y="3645024"/>
-            <a:ext cx="6984776" cy="792088"/>
+            <a:off x="323528" y="3645024"/>
+            <a:ext cx="8064896" cy="792088"/>
           </a:xfrm>
         </p:spPr>
         <p:txBody>
@@ -15043,6 +15215,10 @@
           </a:bodyPr>
           <a:lstStyle/>
           <a:p>
+            <a:pPr marL="342900" indent="-342900" algn="l">
+              <a:buFont typeface="Arial" pitchFamily="34" charset="0"/>
+              <a:buChar char="•"/>
+            </a:pPr>
             <a:r>
               <a:rPr lang="ru-RU" sz="2400" dirty="0" smtClean="0">
                 <a:latin typeface="PT Sans" pitchFamily="34" charset="-52"/>
@@ -18962,21 +19138,7 @@
                           <a:latin typeface="PT Sans" pitchFamily="34" charset="-52"/>
                           <a:ea typeface="PT Sans" pitchFamily="34" charset="-52"/>
                         </a:rPr>
-                        <a:t> a/A, b/B, c/C, </a:t>
-                      </a:r>
-                      <a:r>
-                        <a:rPr lang="en-US" baseline="0" dirty="0" smtClean="0">
-                          <a:latin typeface="PT Sans" pitchFamily="34" charset="-52"/>
-                          <a:ea typeface="PT Sans" pitchFamily="34" charset="-52"/>
-                        </a:rPr>
-                        <a:t>d/D, e/E</a:t>
-                      </a:r>
-                      <a:r>
-                        <a:rPr lang="en-US" baseline="0" dirty="0" smtClean="0">
-                          <a:latin typeface="PT Sans" pitchFamily="34" charset="-52"/>
-                          <a:ea typeface="PT Sans" pitchFamily="34" charset="-52"/>
-                        </a:rPr>
-                        <a:t>, f/F</a:t>
+                        <a:t> a/A, b/B, c/C, d/D, e/E, f/F</a:t>
                       </a:r>
                       <a:endParaRPr lang="ru-RU" dirty="0" smtClean="0">
                         <a:latin typeface="PT Sans" pitchFamily="34" charset="-52"/>
